--- a/week-9/tarvin-presentation-9.1.pptx
+++ b/week-9/tarvin-presentation-9.1.pptx
@@ -8,11 +8,12 @@
     <p:sldId id="256" r:id="rId2"/>
     <p:sldId id="257" r:id="rId3"/>
     <p:sldId id="258" r:id="rId4"/>
-    <p:sldId id="259" r:id="rId5"/>
-    <p:sldId id="260" r:id="rId6"/>
-    <p:sldId id="261" r:id="rId7"/>
-    <p:sldId id="262" r:id="rId8"/>
-    <p:sldId id="263" r:id="rId9"/>
+    <p:sldId id="265" r:id="rId5"/>
+    <p:sldId id="259" r:id="rId6"/>
+    <p:sldId id="260" r:id="rId7"/>
+    <p:sldId id="261" r:id="rId8"/>
+    <p:sldId id="264" r:id="rId9"/>
+    <p:sldId id="263" r:id="rId10"/>
   </p:sldIdLst>
   <p:sldSz cx="12192000" cy="6858000"/>
   <p:notesSz cx="6858000" cy="9144000"/>
@@ -297,7 +298,7 @@
           <a:p>
             <a:fld id="{48A87A34-81AB-432B-8DAE-1953F412C126}" type="datetimeFigureOut">
               <a:rPr lang="en-US" dirty="0"/>
-              <a:t>6/29/19</a:t>
+              <a:t>6/30/19</a:t>
             </a:fld>
             <a:endParaRPr lang="en-US" dirty="0"/>
           </a:p>
@@ -559,7 +560,7 @@
           <a:p>
             <a:fld id="{48A87A34-81AB-432B-8DAE-1953F412C126}" type="datetimeFigureOut">
               <a:rPr lang="en-US" dirty="0"/>
-              <a:t>6/29/19</a:t>
+              <a:t>6/30/19</a:t>
             </a:fld>
             <a:endParaRPr lang="en-US" dirty="0"/>
           </a:p>
@@ -786,7 +787,7 @@
             <a:fld id="{48A87A34-81AB-432B-8DAE-1953F412C126}" type="datetimeFigureOut">
               <a:rPr lang="en-US" dirty="0"/>
               <a:pPr/>
-              <a:t>6/29/19</a:t>
+              <a:t>6/30/19</a:t>
             </a:fld>
             <a:endParaRPr lang="en-US" dirty="0"/>
           </a:p>
@@ -1092,7 +1093,7 @@
             <a:fld id="{48A87A34-81AB-432B-8DAE-1953F412C126}" type="datetimeFigureOut">
               <a:rPr lang="en-US" dirty="0"/>
               <a:pPr/>
-              <a:t>6/29/19</a:t>
+              <a:t>6/30/19</a:t>
             </a:fld>
             <a:endParaRPr lang="en-US" dirty="0"/>
           </a:p>
@@ -1561,7 +1562,7 @@
             <a:fld id="{48A87A34-81AB-432B-8DAE-1953F412C126}" type="datetimeFigureOut">
               <a:rPr lang="en-US" dirty="0"/>
               <a:pPr/>
-              <a:t>6/29/19</a:t>
+              <a:t>6/30/19</a:t>
             </a:fld>
             <a:endParaRPr lang="en-US" dirty="0"/>
           </a:p>
@@ -2103,7 +2104,7 @@
           <a:p>
             <a:fld id="{48A87A34-81AB-432B-8DAE-1953F412C126}" type="datetimeFigureOut">
               <a:rPr lang="en-US" dirty="0"/>
-              <a:t>6/29/19</a:t>
+              <a:t>6/30/19</a:t>
             </a:fld>
             <a:endParaRPr lang="en-US" dirty="0"/>
           </a:p>
@@ -2872,7 +2873,7 @@
           <a:p>
             <a:fld id="{48A87A34-81AB-432B-8DAE-1953F412C126}" type="datetimeFigureOut">
               <a:rPr lang="en-US" dirty="0"/>
-              <a:t>6/29/19</a:t>
+              <a:t>6/30/19</a:t>
             </a:fld>
             <a:endParaRPr lang="en-US" dirty="0"/>
           </a:p>
@@ -3042,7 +3043,7 @@
           <a:p>
             <a:fld id="{48A87A34-81AB-432B-8DAE-1953F412C126}" type="datetimeFigureOut">
               <a:rPr lang="en-US" dirty="0"/>
-              <a:t>6/29/19</a:t>
+              <a:t>6/30/19</a:t>
             </a:fld>
             <a:endParaRPr lang="en-US" dirty="0"/>
           </a:p>
@@ -3261,7 +3262,7 @@
             <a:fld id="{48A87A34-81AB-432B-8DAE-1953F412C126}" type="datetimeFigureOut">
               <a:rPr lang="en-US" dirty="0"/>
               <a:pPr/>
-              <a:t>6/29/19</a:t>
+              <a:t>6/30/19</a:t>
             </a:fld>
             <a:endParaRPr lang="en-US" dirty="0"/>
           </a:p>
@@ -3436,7 +3437,7 @@
           <a:p>
             <a:fld id="{48A87A34-81AB-432B-8DAE-1953F412C126}" type="datetimeFigureOut">
               <a:rPr lang="en-US" dirty="0"/>
-              <a:t>6/29/19</a:t>
+              <a:t>6/30/19</a:t>
             </a:fld>
             <a:endParaRPr lang="en-US" dirty="0"/>
           </a:p>
@@ -3721,7 +3722,7 @@
             <a:fld id="{48A87A34-81AB-432B-8DAE-1953F412C126}" type="datetimeFigureOut">
               <a:rPr lang="en-US" dirty="0"/>
               <a:pPr/>
-              <a:t>6/29/19</a:t>
+              <a:t>6/30/19</a:t>
             </a:fld>
             <a:endParaRPr lang="en-US" dirty="0"/>
           </a:p>
@@ -3958,7 +3959,7 @@
           <a:p>
             <a:fld id="{48A87A34-81AB-432B-8DAE-1953F412C126}" type="datetimeFigureOut">
               <a:rPr lang="en-US" dirty="0"/>
-              <a:t>6/29/19</a:t>
+              <a:t>6/30/19</a:t>
             </a:fld>
             <a:endParaRPr lang="en-US" dirty="0"/>
           </a:p>
@@ -4332,7 +4333,7 @@
           <a:p>
             <a:fld id="{48A87A34-81AB-432B-8DAE-1953F412C126}" type="datetimeFigureOut">
               <a:rPr lang="en-US" dirty="0"/>
-              <a:t>6/29/19</a:t>
+              <a:t>6/30/19</a:t>
             </a:fld>
             <a:endParaRPr lang="en-US" dirty="0"/>
           </a:p>
@@ -4445,7 +4446,7 @@
           <a:p>
             <a:fld id="{48A87A34-81AB-432B-8DAE-1953F412C126}" type="datetimeFigureOut">
               <a:rPr lang="en-US" dirty="0"/>
-              <a:t>6/29/19</a:t>
+              <a:t>6/30/19</a:t>
             </a:fld>
             <a:endParaRPr lang="en-US" dirty="0"/>
           </a:p>
@@ -4535,7 +4536,7 @@
           <a:p>
             <a:fld id="{48A87A34-81AB-432B-8DAE-1953F412C126}" type="datetimeFigureOut">
               <a:rPr lang="en-US" dirty="0"/>
-              <a:t>6/29/19</a:t>
+              <a:t>6/30/19</a:t>
             </a:fld>
             <a:endParaRPr lang="en-US" dirty="0"/>
           </a:p>
@@ -4779,7 +4780,7 @@
           <a:p>
             <a:fld id="{48A87A34-81AB-432B-8DAE-1953F412C126}" type="datetimeFigureOut">
               <a:rPr lang="en-US" dirty="0"/>
-              <a:t>6/29/19</a:t>
+              <a:t>6/30/19</a:t>
             </a:fld>
             <a:endParaRPr lang="en-US" dirty="0"/>
           </a:p>
@@ -5031,7 +5032,7 @@
           <a:p>
             <a:fld id="{48A87A34-81AB-432B-8DAE-1953F412C126}" type="datetimeFigureOut">
               <a:rPr lang="en-US" dirty="0"/>
-              <a:t>6/29/19</a:t>
+              <a:t>6/30/19</a:t>
             </a:fld>
             <a:endParaRPr lang="en-US" dirty="0"/>
           </a:p>
@@ -5270,7 +5271,7 @@
             <a:fld id="{48A87A34-81AB-432B-8DAE-1953F412C126}" type="datetimeFigureOut">
               <a:rPr lang="en-US" dirty="0"/>
               <a:pPr/>
-              <a:t>6/29/19</a:t>
+              <a:t>6/30/19</a:t>
             </a:fld>
             <a:endParaRPr lang="en-US" dirty="0"/>
           </a:p>
@@ -5875,7 +5876,49 @@
           <a:bodyPr/>
           <a:lstStyle/>
           <a:p>
-            <a:endParaRPr lang="en-US"/>
+            <a:r>
+              <a:rPr lang="en-US" dirty="0"/>
+              <a:t>Stands for Open Authorization</a:t>
+            </a:r>
+          </a:p>
+          <a:p>
+            <a:r>
+              <a:rPr lang="en-US" dirty="0"/>
+              <a:t>An open-standard authorization protocol (OAuth 1.0)/framework (OAuth 2.0)</a:t>
+            </a:r>
+          </a:p>
+          <a:p>
+            <a:r>
+              <a:rPr lang="en-US" dirty="0"/>
+              <a:t>Describes how unrelated servers and services can safely allow authenticated access to their assets</a:t>
+            </a:r>
+          </a:p>
+          <a:p>
+            <a:r>
+              <a:rPr lang="en-US" dirty="0"/>
+              <a:t>Doing so without sharing initial, related, single logon credential</a:t>
+            </a:r>
+          </a:p>
+          <a:p>
+            <a:r>
+              <a:rPr lang="en-US" dirty="0"/>
+              <a:t>Known as secure, third-party, user-agent, delegated authorization</a:t>
+            </a:r>
+          </a:p>
+          <a:p>
+            <a:r>
+              <a:rPr lang="en-US" dirty="0"/>
+              <a:t>OAuth 1.0 released in 2010</a:t>
+            </a:r>
+          </a:p>
+          <a:p>
+            <a:r>
+              <a:rPr lang="en-US" dirty="0"/>
+              <a:t>OAuth 2.0 released in 2012</a:t>
+            </a:r>
+          </a:p>
+          <a:p>
+            <a:endParaRPr lang="en-US" dirty="0"/>
           </a:p>
         </p:txBody>
       </p:sp>
@@ -5966,7 +6009,67 @@
           <a:bodyPr/>
           <a:lstStyle/>
           <a:p>
-            <a:endParaRPr lang="en-US"/>
+            <a:r>
+              <a:rPr lang="en-US" dirty="0"/>
+              <a:t>1. You visit a website (</a:t>
+            </a:r>
+            <a:r>
+              <a:rPr lang="en-US" dirty="0" err="1"/>
+              <a:t>Bitly.com</a:t>
+            </a:r>
+            <a:r>
+              <a:rPr lang="en-US" dirty="0"/>
+              <a:t>)</a:t>
+            </a:r>
+          </a:p>
+          <a:p>
+            <a:r>
+              <a:rPr lang="en-US" dirty="0"/>
+              <a:t>2. On </a:t>
+            </a:r>
+            <a:r>
+              <a:rPr lang="en-US" dirty="0" err="1"/>
+              <a:t>Bitly</a:t>
+            </a:r>
+            <a:r>
+              <a:rPr lang="en-US" dirty="0"/>
+              <a:t> you initiate an action to post a link to your Twitter stream</a:t>
+            </a:r>
+          </a:p>
+          <a:p>
+            <a:r>
+              <a:rPr lang="en-US" dirty="0"/>
+              <a:t>3. </a:t>
+            </a:r>
+            <a:r>
+              <a:rPr lang="en-US" dirty="0" err="1"/>
+              <a:t>Bitly</a:t>
+            </a:r>
+            <a:r>
+              <a:rPr lang="en-US" dirty="0"/>
+              <a:t> requests a request token from Twitter</a:t>
+            </a:r>
+          </a:p>
+          <a:p>
+            <a:r>
+              <a:rPr lang="en-US" dirty="0"/>
+              <a:t>4. Twitter provides </a:t>
+            </a:r>
+            <a:r>
+              <a:rPr lang="en-US" dirty="0" err="1"/>
+              <a:t>Bitly</a:t>
+            </a:r>
+            <a:r>
+              <a:rPr lang="en-US" dirty="0"/>
+              <a:t> with a token and a secret</a:t>
+            </a:r>
+          </a:p>
+          <a:p>
+            <a:pPr lvl="1"/>
+            <a:r>
+              <a:rPr lang="en-US" dirty="0"/>
+              <a:t>The secret is used to prevent </a:t>
+            </a:r>
           </a:p>
         </p:txBody>
       </p:sp>
@@ -6005,7 +6108,7 @@
           <p:cNvPr id="2" name="Title 1">
             <a:extLst>
               <a:ext uri="{FF2B5EF4-FFF2-40B4-BE49-F238E27FC236}">
-                <a16:creationId xmlns:a16="http://schemas.microsoft.com/office/drawing/2014/main" id="{349B8C26-2DA1-4D74-913F-8F278EA05159}"/>
+                <a16:creationId xmlns:a16="http://schemas.microsoft.com/office/drawing/2014/main" id="{3E4588EC-E509-F943-AAC0-798AF13F732A}"/>
               </a:ext>
             </a:extLst>
           </p:cNvPr>
@@ -6023,23 +6126,7 @@
           <a:p>
             <a:r>
               <a:rPr lang="en-US" dirty="0"/>
-              <a:t>History of </a:t>
-            </a:r>
-            <a:r>
-              <a:rPr lang="en-US" dirty="0" err="1"/>
-              <a:t>Oauth</a:t>
-            </a:r>
-            <a:r>
-              <a:rPr lang="en-US" dirty="0"/>
-              <a:t> – </a:t>
-            </a:r>
-            <a:r>
-              <a:rPr lang="en-US" dirty="0" err="1"/>
-              <a:t>Oauth</a:t>
-            </a:r>
-            <a:r>
-              <a:rPr lang="en-US" dirty="0"/>
-              <a:t> 1.0</a:t>
+              <a:t>How OAuth works (cont’d)</a:t>
             </a:r>
           </a:p>
         </p:txBody>
@@ -6049,7 +6136,7 @@
           <p:cNvPr id="3" name="Content Placeholder 2">
             <a:extLst>
               <a:ext uri="{FF2B5EF4-FFF2-40B4-BE49-F238E27FC236}">
-                <a16:creationId xmlns:a16="http://schemas.microsoft.com/office/drawing/2014/main" id="{77934090-E406-4E8F-BDA8-0F8B54BA6E12}"/>
+                <a16:creationId xmlns:a16="http://schemas.microsoft.com/office/drawing/2014/main" id="{E1493263-78FD-A845-9466-D91E5711221D}"/>
               </a:ext>
             </a:extLst>
           </p:cNvPr>
@@ -6065,14 +6152,14 @@
           <a:bodyPr/>
           <a:lstStyle/>
           <a:p>
-            <a:endParaRPr lang="en-US"/>
+            <a:endParaRPr lang="en-US" dirty="0"/>
           </a:p>
         </p:txBody>
       </p:sp>
     </p:spTree>
     <p:extLst>
       <p:ext uri="{BB962C8B-B14F-4D97-AF65-F5344CB8AC3E}">
-        <p14:creationId xmlns:p14="http://schemas.microsoft.com/office/powerpoint/2010/main" val="309895719"/>
+        <p14:creationId xmlns:p14="http://schemas.microsoft.com/office/powerpoint/2010/main" val="2119046002"/>
       </p:ext>
     </p:extLst>
   </p:cSld>
@@ -6104,7 +6191,7 @@
           <p:cNvPr id="2" name="Title 1">
             <a:extLst>
               <a:ext uri="{FF2B5EF4-FFF2-40B4-BE49-F238E27FC236}">
-                <a16:creationId xmlns:a16="http://schemas.microsoft.com/office/drawing/2014/main" id="{03438F05-5878-47FE-87CA-36F6B78F3E34}"/>
+                <a16:creationId xmlns:a16="http://schemas.microsoft.com/office/drawing/2014/main" id="{349B8C26-2DA1-4D74-913F-8F278EA05159}"/>
               </a:ext>
             </a:extLst>
           </p:cNvPr>
@@ -6138,7 +6225,7 @@
             </a:r>
             <a:r>
               <a:rPr lang="en-US" dirty="0"/>
-              <a:t> 2.0</a:t>
+              <a:t> 1.0</a:t>
             </a:r>
           </a:p>
         </p:txBody>
@@ -6148,7 +6235,7 @@
           <p:cNvPr id="3" name="Content Placeholder 2">
             <a:extLst>
               <a:ext uri="{FF2B5EF4-FFF2-40B4-BE49-F238E27FC236}">
-                <a16:creationId xmlns:a16="http://schemas.microsoft.com/office/drawing/2014/main" id="{9BA42F74-2A4F-4AC1-A917-1B627D32357C}"/>
+                <a16:creationId xmlns:a16="http://schemas.microsoft.com/office/drawing/2014/main" id="{77934090-E406-4E8F-BDA8-0F8B54BA6E12}"/>
               </a:ext>
             </a:extLst>
           </p:cNvPr>
@@ -6164,14 +6251,47 @@
           <a:bodyPr/>
           <a:lstStyle/>
           <a:p>
-            <a:endParaRPr lang="en-US"/>
+            <a:r>
+              <a:rPr lang="en-US" dirty="0"/>
+              <a:t>December 2007 – OAuth 1.0 addresses delegation with a framework based on digital signatures</a:t>
+            </a:r>
+          </a:p>
+          <a:p>
+            <a:r>
+              <a:rPr lang="en-US" dirty="0"/>
+              <a:t>2008 – Google begins OAuth 1.0 support</a:t>
+            </a:r>
+          </a:p>
+          <a:p>
+            <a:r>
+              <a:rPr lang="en-US" dirty="0"/>
+              <a:t>2010 – Twitter forces all third-party apps to use OAuth 1.0</a:t>
+            </a:r>
+          </a:p>
+          <a:p>
+            <a:r>
+              <a:rPr lang="en-US" dirty="0"/>
+              <a:t>Secure, but a challenge to implement</a:t>
+            </a:r>
+          </a:p>
+          <a:p>
+            <a:r>
+              <a:rPr lang="en-US" dirty="0"/>
+              <a:t>Required crypto-implementation and crypto-interoperability</a:t>
+            </a:r>
+          </a:p>
+          <a:p>
+            <a:r>
+              <a:rPr lang="en-US" dirty="0"/>
+              <a:t>Little support at present</a:t>
+            </a:r>
           </a:p>
         </p:txBody>
       </p:sp>
     </p:spTree>
     <p:extLst>
       <p:ext uri="{BB962C8B-B14F-4D97-AF65-F5344CB8AC3E}">
-        <p14:creationId xmlns:p14="http://schemas.microsoft.com/office/powerpoint/2010/main" val="809694876"/>
+        <p14:creationId xmlns:p14="http://schemas.microsoft.com/office/powerpoint/2010/main" val="309895719"/>
       </p:ext>
     </p:extLst>
   </p:cSld>
@@ -6203,6 +6323,152 @@
           <p:cNvPr id="2" name="Title 1">
             <a:extLst>
               <a:ext uri="{FF2B5EF4-FFF2-40B4-BE49-F238E27FC236}">
+                <a16:creationId xmlns:a16="http://schemas.microsoft.com/office/drawing/2014/main" id="{03438F05-5878-47FE-87CA-36F6B78F3E34}"/>
+              </a:ext>
+            </a:extLst>
+          </p:cNvPr>
+          <p:cNvSpPr>
+            <a:spLocks noGrp="1"/>
+          </p:cNvSpPr>
+          <p:nvPr>
+            <p:ph type="title"/>
+          </p:nvPr>
+        </p:nvSpPr>
+        <p:spPr/>
+        <p:txBody>
+          <a:bodyPr/>
+          <a:lstStyle/>
+          <a:p>
+            <a:r>
+              <a:rPr lang="en-US" dirty="0"/>
+              <a:t>History of </a:t>
+            </a:r>
+            <a:r>
+              <a:rPr lang="en-US" dirty="0" err="1"/>
+              <a:t>Oauth</a:t>
+            </a:r>
+            <a:r>
+              <a:rPr lang="en-US" dirty="0"/>
+              <a:t> – </a:t>
+            </a:r>
+            <a:r>
+              <a:rPr lang="en-US" dirty="0" err="1"/>
+              <a:t>Oauth</a:t>
+            </a:r>
+            <a:r>
+              <a:rPr lang="en-US" dirty="0"/>
+              <a:t> 2.0</a:t>
+            </a:r>
+          </a:p>
+        </p:txBody>
+      </p:sp>
+      <p:sp>
+        <p:nvSpPr>
+          <p:cNvPr id="3" name="Content Placeholder 2">
+            <a:extLst>
+              <a:ext uri="{FF2B5EF4-FFF2-40B4-BE49-F238E27FC236}">
+                <a16:creationId xmlns:a16="http://schemas.microsoft.com/office/drawing/2014/main" id="{9BA42F74-2A4F-4AC1-A917-1B627D32357C}"/>
+              </a:ext>
+            </a:extLst>
+          </p:cNvPr>
+          <p:cNvSpPr>
+            <a:spLocks noGrp="1"/>
+          </p:cNvSpPr>
+          <p:nvPr>
+            <p:ph idx="1"/>
+          </p:nvPr>
+        </p:nvSpPr>
+        <p:spPr/>
+        <p:txBody>
+          <a:bodyPr/>
+          <a:lstStyle/>
+          <a:p>
+            <a:r>
+              <a:rPr lang="en-US" dirty="0"/>
+              <a:t>2012 – OAuth 2.0 comes out</a:t>
+            </a:r>
+          </a:p>
+          <a:p>
+            <a:r>
+              <a:rPr lang="en-US" dirty="0"/>
+              <a:t>2012 – Google moves away from OAuth 1.0 to 2.0</a:t>
+            </a:r>
+          </a:p>
+          <a:p>
+            <a:r>
+              <a:rPr lang="en-US" dirty="0"/>
+              <a:t>Focused on making OAuth more interoperable and flexible between sites and devices</a:t>
+            </a:r>
+          </a:p>
+          <a:p>
+            <a:r>
+              <a:rPr lang="en-US" dirty="0"/>
+              <a:t>Introduced concept of token expiration</a:t>
+            </a:r>
+          </a:p>
+          <a:p>
+            <a:r>
+              <a:rPr lang="en-US" dirty="0"/>
+              <a:t>Not compatible with OAuth 1.0</a:t>
+            </a:r>
+          </a:p>
+          <a:p>
+            <a:r>
+              <a:rPr lang="en-US" dirty="0"/>
+              <a:t>Not supported by many of the original OAuth founders and supporters</a:t>
+            </a:r>
+          </a:p>
+          <a:p>
+            <a:r>
+              <a:rPr lang="en-US" dirty="0"/>
+              <a:t>Also adopted by Amazon, Facebook, Instagram, LinkedIn, Microsoft, Netflix and </a:t>
+            </a:r>
+            <a:r>
+              <a:rPr lang="en-US" dirty="0" err="1"/>
+              <a:t>Paypal</a:t>
+            </a:r>
+            <a:endParaRPr lang="en-US" dirty="0"/>
+          </a:p>
+          <a:p>
+            <a:endParaRPr lang="en-US" dirty="0"/>
+          </a:p>
+        </p:txBody>
+      </p:sp>
+    </p:spTree>
+    <p:extLst>
+      <p:ext uri="{BB962C8B-B14F-4D97-AF65-F5344CB8AC3E}">
+        <p14:creationId xmlns:p14="http://schemas.microsoft.com/office/powerpoint/2010/main" val="809694876"/>
+      </p:ext>
+    </p:extLst>
+  </p:cSld>
+  <p:clrMapOvr>
+    <a:masterClrMapping/>
+  </p:clrMapOvr>
+</p:sld>
+</file>
+
+<file path=ppt/slides/slide7.xml><?xml version="1.0" encoding="utf-8"?>
+<p:sld xmlns:a="http://schemas.openxmlformats.org/drawingml/2006/main" xmlns:r="http://schemas.openxmlformats.org/officeDocument/2006/relationships" xmlns:p="http://schemas.openxmlformats.org/presentationml/2006/main">
+  <p:cSld>
+    <p:spTree>
+      <p:nvGrpSpPr>
+        <p:cNvPr id="1" name=""/>
+        <p:cNvGrpSpPr/>
+        <p:nvPr/>
+      </p:nvGrpSpPr>
+      <p:grpSpPr>
+        <a:xfrm>
+          <a:off x="0" y="0"/>
+          <a:ext cx="0" cy="0"/>
+          <a:chOff x="0" y="0"/>
+          <a:chExt cx="0" cy="0"/>
+        </a:xfrm>
+      </p:grpSpPr>
+      <p:sp>
+        <p:nvSpPr>
+          <p:cNvPr id="2" name="Title 1">
+            <a:extLst>
+              <a:ext uri="{FF2B5EF4-FFF2-40B4-BE49-F238E27FC236}">
                 <a16:creationId xmlns:a16="http://schemas.microsoft.com/office/drawing/2014/main" id="{424E654C-CDAC-4ACD-9112-F5A8B8C7B42A}"/>
               </a:ext>
             </a:extLst>
@@ -6255,7 +6521,16 @@
           <a:bodyPr/>
           <a:lstStyle/>
           <a:p>
-            <a:endParaRPr lang="en-US"/>
+            <a:r>
+              <a:rPr lang="en-US" dirty="0"/>
+              <a:t>Users appreciate only having to logon once to use multiple services</a:t>
+            </a:r>
+          </a:p>
+          <a:p>
+            <a:r>
+              <a:rPr lang="en-US" dirty="0"/>
+              <a:t>Website owners appreciate not having to contain their own authentication system with the ability to scale to gigantic proportions</a:t>
+            </a:r>
           </a:p>
         </p:txBody>
       </p:sp>
@@ -6272,7 +6547,7 @@
 </p:sld>
 </file>
 
-<file path=ppt/slides/slide7.xml><?xml version="1.0" encoding="utf-8"?>
+<file path=ppt/slides/slide8.xml><?xml version="1.0" encoding="utf-8"?>
 <p:sld xmlns:a="http://schemas.openxmlformats.org/drawingml/2006/main" xmlns:r="http://schemas.openxmlformats.org/officeDocument/2006/relationships" xmlns:p="http://schemas.openxmlformats.org/presentationml/2006/main">
   <p:cSld>
     <p:bg>
@@ -6297,12 +6572,12 @@
           <a:chExt cx="0" cy="0"/>
         </a:xfrm>
       </p:grpSpPr>
-      <p:sp>
+      <p:sp useBgFill="1">
         <p:nvSpPr>
           <p:cNvPr id="13" name="Rectangle 12">
             <a:extLst>
               <a:ext uri="{FF2B5EF4-FFF2-40B4-BE49-F238E27FC236}">
-                <a16:creationId xmlns:a16="http://schemas.microsoft.com/office/drawing/2014/main" id="{03FFF8D3-2EF3-4286-935A-D01BE3C85333}"/>
+                <a16:creationId xmlns:a16="http://schemas.microsoft.com/office/drawing/2014/main" id="{CD94F7C0-1344-4B3C-AFCB-E7F006BB5348}"/>
               </a:ext>
               <a:ext uri="{C183D7F6-B498-43B3-948B-1728B52AA6E4}">
                 <adec:decorative xmlns:adec="http://schemas.microsoft.com/office/drawing/2017/decorative" val="1"/>
@@ -6328,9 +6603,6 @@
           <a:prstGeom prst="rect">
             <a:avLst/>
           </a:prstGeom>
-          <a:solidFill>
-            <a:schemeClr val="tx1"/>
-          </a:solidFill>
           <a:ln>
             <a:noFill/>
           </a:ln>
@@ -6356,11 +6628,7 @@
           <a:lstStyle/>
           <a:p>
             <a:pPr algn="ctr"/>
-            <a:endParaRPr lang="en-US">
-              <a:solidFill>
-                <a:schemeClr val="tx1"/>
-              </a:solidFill>
-            </a:endParaRPr>
+            <a:endParaRPr lang="en-US"/>
           </a:p>
         </p:txBody>
       </p:sp>
@@ -6369,7 +6637,7 @@
           <p:cNvPr id="15" name="Picture 14">
             <a:extLst>
               <a:ext uri="{FF2B5EF4-FFF2-40B4-BE49-F238E27FC236}">
-                <a16:creationId xmlns:a16="http://schemas.microsoft.com/office/drawing/2014/main" id="{CD8CCB43-545E-4064-8BB8-5C492D0F5F57}"/>
+                <a16:creationId xmlns:a16="http://schemas.microsoft.com/office/drawing/2014/main" id="{4EC584A2-4215-4DB8-AE1F-E3768D77E8DE}"/>
               </a:ext>
               <a:ext uri="{C183D7F6-B498-43B3-948B-1728B52AA6E4}">
                 <adec:decorative xmlns:adec="http://schemas.microsoft.com/office/drawing/2017/decorative" val="1"/>
@@ -6414,7 +6682,7 @@
           <p:cNvPr id="2" name="Title 1">
             <a:extLst>
               <a:ext uri="{FF2B5EF4-FFF2-40B4-BE49-F238E27FC236}">
-                <a16:creationId xmlns:a16="http://schemas.microsoft.com/office/drawing/2014/main" id="{8FBE01B3-3EED-424F-9E1B-E873AFF03553}"/>
+                <a16:creationId xmlns:a16="http://schemas.microsoft.com/office/drawing/2014/main" id="{39B356E9-E81A-2C40-8DE2-9D19427B86FA}"/>
               </a:ext>
             </a:extLst>
           </p:cNvPr>
@@ -6427,8 +6695,44 @@
         </p:nvSpPr>
         <p:spPr>
           <a:xfrm>
-            <a:off x="685800" y="764373"/>
-            <a:ext cx="3306744" cy="1293028"/>
+            <a:off x="685799" y="764373"/>
+            <a:ext cx="3977639" cy="1600200"/>
+          </a:xfrm>
+        </p:spPr>
+        <p:txBody>
+          <a:bodyPr anchor="b">
+            <a:normAutofit/>
+          </a:bodyPr>
+          <a:lstStyle/>
+          <a:p>
+            <a:pPr algn="l"/>
+            <a:r>
+              <a:rPr lang="en-US" sz="3200"/>
+              <a:t>End to end data flow of an Oauth API</a:t>
+            </a:r>
+          </a:p>
+        </p:txBody>
+      </p:sp>
+      <p:sp>
+        <p:nvSpPr>
+          <p:cNvPr id="10" name="Content Placeholder 9">
+            <a:extLst>
+              <a:ext uri="{FF2B5EF4-FFF2-40B4-BE49-F238E27FC236}">
+                <a16:creationId xmlns:a16="http://schemas.microsoft.com/office/drawing/2014/main" id="{6FD6738F-5D2E-48D6-AFAE-D5E918883F4E}"/>
+              </a:ext>
+            </a:extLst>
+          </p:cNvPr>
+          <p:cNvSpPr>
+            <a:spLocks noGrp="1"/>
+          </p:cNvSpPr>
+          <p:nvPr>
+            <p:ph idx="1"/>
+          </p:nvPr>
+        </p:nvSpPr>
+        <p:spPr>
+          <a:xfrm>
+            <a:off x="685800" y="2364573"/>
+            <a:ext cx="3977639" cy="3854112"/>
           </a:xfrm>
         </p:spPr>
         <p:txBody>
@@ -6437,117 +6741,7 @@
           </a:bodyPr>
           <a:lstStyle/>
           <a:p>
-            <a:r>
-              <a:rPr lang="en-US" sz="2700">
-                <a:solidFill>
-                  <a:schemeClr val="bg1"/>
-                </a:solidFill>
-              </a:rPr>
-              <a:t>End to end data flow of an Oauth API</a:t>
-            </a:r>
-          </a:p>
-        </p:txBody>
-      </p:sp>
-      <p:sp>
-        <p:nvSpPr>
-          <p:cNvPr id="10" name="Content Placeholder 9">
-            <a:extLst>
-              <a:ext uri="{FF2B5EF4-FFF2-40B4-BE49-F238E27FC236}">
-                <a16:creationId xmlns:a16="http://schemas.microsoft.com/office/drawing/2014/main" id="{095F219D-0D0F-4102-841C-9E3DA9748579}"/>
-              </a:ext>
-            </a:extLst>
-          </p:cNvPr>
-          <p:cNvSpPr>
-            <a:spLocks noGrp="1"/>
-          </p:cNvSpPr>
-          <p:nvPr>
-            <p:ph idx="1"/>
-          </p:nvPr>
-        </p:nvSpPr>
-        <p:spPr>
-          <a:xfrm>
-            <a:off x="685801" y="2194560"/>
-            <a:ext cx="3306742" cy="4024125"/>
-          </a:xfrm>
-        </p:spPr>
-        <p:txBody>
-          <a:bodyPr>
-            <a:normAutofit/>
-          </a:bodyPr>
-          <a:lstStyle/>
-          <a:p>
-            <a:endParaRPr lang="en-US" sz="1600">
-              <a:solidFill>
-                <a:schemeClr val="bg1"/>
-              </a:solidFill>
-            </a:endParaRPr>
-          </a:p>
-        </p:txBody>
-      </p:sp>
-      <p:sp useBgFill="1">
-        <p:nvSpPr>
-          <p:cNvPr id="17" name="Rounded Rectangle 14">
-            <a:extLst>
-              <a:ext uri="{FF2B5EF4-FFF2-40B4-BE49-F238E27FC236}">
-                <a16:creationId xmlns:a16="http://schemas.microsoft.com/office/drawing/2014/main" id="{E6C57836-126B-4938-8C7A-3C3BCB59D383}"/>
-              </a:ext>
-              <a:ext uri="{C183D7F6-B498-43B3-948B-1728B52AA6E4}">
-                <adec:decorative xmlns:adec="http://schemas.microsoft.com/office/drawing/2017/decorative" val="1"/>
-              </a:ext>
-            </a:extLst>
-          </p:cNvPr>
-          <p:cNvSpPr>
-            <a:spLocks noGrp="1" noRot="1" noChangeAspect="1" noMove="1" noResize="1" noEditPoints="1" noAdjustHandles="1" noChangeArrowheads="1" noChangeShapeType="1" noTextEdit="1"/>
-          </p:cNvSpPr>
-          <p:nvPr>
-            <p:extLst>
-              <p:ext uri="{386F3935-93C4-4BCD-93E2-E3B085C9AB24}">
-                <p16:designElem xmlns:p16="http://schemas.microsoft.com/office/powerpoint/2015/main" val="1"/>
-              </p:ext>
-            </p:extLst>
-          </p:nvPr>
-        </p:nvSpPr>
-        <p:spPr>
-          <a:xfrm>
-            <a:off x="4636008" y="1066164"/>
-            <a:ext cx="6765949" cy="5148371"/>
-          </a:xfrm>
-          <a:prstGeom prst="roundRect">
-            <a:avLst>
-              <a:gd name="adj" fmla="val 2403"/>
-            </a:avLst>
-          </a:prstGeom>
-          <a:ln>
-            <a:noFill/>
-          </a:ln>
-          <a:effectLst>
-            <a:innerShdw blurRad="114300">
-              <a:prstClr val="black"/>
-            </a:innerShdw>
-          </a:effectLst>
-        </p:spPr>
-        <p:style>
-          <a:lnRef idx="2">
-            <a:schemeClr val="accent1">
-              <a:shade val="50000"/>
-            </a:schemeClr>
-          </a:lnRef>
-          <a:fillRef idx="1">
-            <a:schemeClr val="accent1"/>
-          </a:fillRef>
-          <a:effectRef idx="0">
-            <a:schemeClr val="accent1"/>
-          </a:effectRef>
-          <a:fontRef idx="minor">
-            <a:schemeClr val="lt1"/>
-          </a:fontRef>
-        </p:style>
-        <p:txBody>
-          <a:bodyPr rtlCol="0" anchor="ctr"/>
-          <a:lstStyle/>
-          <a:p>
-            <a:pPr algn="ctr"/>
-            <a:endParaRPr lang="en-US"/>
+            <a:endParaRPr lang="en-US" sz="1600"/>
           </a:p>
         </p:txBody>
       </p:sp>
@@ -6556,7 +6750,7 @@
           <p:cNvPr id="8" name="Content Placeholder 4">
             <a:extLst>
               <a:ext uri="{FF2B5EF4-FFF2-40B4-BE49-F238E27FC236}">
-                <a16:creationId xmlns:a16="http://schemas.microsoft.com/office/drawing/2014/main" id="{CDC9104C-5601-4B90-A26E-D95355369EC4}"/>
+                <a16:creationId xmlns:a16="http://schemas.microsoft.com/office/drawing/2014/main" id="{0602BF7E-1DB2-FC40-BA8D-A98CF6DDCF15}"/>
               </a:ext>
             </a:extLst>
           </p:cNvPr>
@@ -6573,8 +6767,8 @@
         </p:blipFill>
         <p:spPr>
           <a:xfrm>
-            <a:off x="5262367" y="1336566"/>
-            <a:ext cx="5513231" cy="4607567"/>
+            <a:off x="5503170" y="746126"/>
+            <a:ext cx="5472558" cy="5472558"/>
           </a:xfrm>
           <a:prstGeom prst="rect">
             <a:avLst/>
@@ -6584,17 +6778,17 @@
     </p:spTree>
     <p:extLst>
       <p:ext uri="{BB962C8B-B14F-4D97-AF65-F5344CB8AC3E}">
-        <p14:creationId xmlns:p14="http://schemas.microsoft.com/office/powerpoint/2010/main" val="3807544032"/>
+        <p14:creationId xmlns:p14="http://schemas.microsoft.com/office/powerpoint/2010/main" val="3735271649"/>
       </p:ext>
     </p:extLst>
   </p:cSld>
   <p:clrMapOvr>
-    <a:overrideClrMapping bg1="lt1" tx1="dk1" bg2="lt2" tx2="dk2" accent1="accent1" accent2="accent2" accent3="accent3" accent4="accent4" accent5="accent5" accent6="accent6" hlink="hlink" folHlink="folHlink"/>
+    <a:masterClrMapping/>
   </p:clrMapOvr>
 </p:sld>
 </file>
 
-<file path=ppt/slides/slide8.xml><?xml version="1.0" encoding="utf-8"?>
+<file path=ppt/slides/slide9.xml><?xml version="1.0" encoding="utf-8"?>
 <p:sld xmlns:a="http://schemas.openxmlformats.org/drawingml/2006/main" xmlns:r="http://schemas.openxmlformats.org/officeDocument/2006/relationships" xmlns:p="http://schemas.openxmlformats.org/presentationml/2006/main">
   <p:cSld>
     <p:bg>
@@ -6885,7 +7079,59 @@
           </a:bodyPr>
           <a:lstStyle/>
           <a:p>
-            <a:endParaRPr lang="en-US"/>
+            <a:r>
+              <a:rPr lang="en-US" dirty="0"/>
+              <a:t>Valerie Chapple. (2018 Feb 22). The Nitty-Gritty Of </a:t>
+            </a:r>
+            <a:r>
+              <a:rPr lang="en-US" dirty="0" err="1"/>
+              <a:t>Oauth</a:t>
+            </a:r>
+            <a:r>
+              <a:rPr lang="en-US" dirty="0"/>
+              <a:t> 2.0 Flow (article). Retrieved from </a:t>
+            </a:r>
+            <a:r>
+              <a:rPr lang="en-US" dirty="0">
+                <a:hlinkClick r:id="rId3"/>
+              </a:rPr>
+              <a:t>https://medium.com/@valeriechapple/how-to-truly-understand-oauth-2-0-69dd3e7574c6</a:t>
+            </a:r>
+            <a:endParaRPr lang="en-US" dirty="0"/>
+          </a:p>
+          <a:p>
+            <a:r>
+              <a:rPr lang="en-US" dirty="0"/>
+              <a:t>Roger Grimes. (2017 Aug 16). What Is </a:t>
+            </a:r>
+            <a:r>
+              <a:rPr lang="en-US" dirty="0" err="1"/>
+              <a:t>Oauth</a:t>
+            </a:r>
+            <a:r>
+              <a:rPr lang="en-US" dirty="0"/>
+              <a:t>? How The Open Authorization Framework Works (article). Retrieved from </a:t>
+            </a:r>
+            <a:r>
+              <a:rPr lang="en-US" dirty="0">
+                <a:hlinkClick r:id="rId4"/>
+              </a:rPr>
+              <a:t>https://www.csoonline.com/article/3216404/what-is-oauth-how-the-open-authorization-framework-works.html</a:t>
+            </a:r>
+            <a:endParaRPr lang="en-US" dirty="0"/>
+          </a:p>
+          <a:p>
+            <a:r>
+              <a:rPr lang="en-US" dirty="0"/>
+              <a:t>Synopsys Editorial Team. (2016, Mar 11). What’s The Difference? OAuth 1.0 vs OAuth 2.0 (blog). Retrieved from </a:t>
+            </a:r>
+            <a:r>
+              <a:rPr lang="en-US" dirty="0">
+                <a:hlinkClick r:id="rId5"/>
+              </a:rPr>
+              <a:t>https://www.synopsys.com/blogs/software-security/oauth-2-0-vs-oauth-1-0/</a:t>
+            </a:r>
+            <a:endParaRPr lang="en-US" dirty="0"/>
           </a:p>
         </p:txBody>
       </p:sp>
